--- a/Document-Templates/SoftUni-PowerPoint-Template-Nov-2019.pptx
+++ b/Document-Templates/SoftUni-PowerPoint-Template-Nov-2019.pptx
@@ -301,7 +301,7 @@
           <a:p>
             <a:fld id="{4E087215-0C8F-4762-A664-737A353EC9A4}" type="datetimeFigureOut">
               <a:rPr lang="bg-BG" smtClean="0"/>
-              <a:t>9.11.2019 г.</a:t>
+              <a:t>12.11.2019 г.</a:t>
             </a:fld>
             <a:endParaRPr lang="bg-BG"/>
           </a:p>
@@ -492,7 +492,7 @@
           <a:p>
             <a:fld id="{72D84649-876A-46C9-8472-14CB09C070D8}" type="datetimeFigureOut">
               <a:rPr lang="en-US" smtClean="0"/>
-              <a:t>09-Nov-19</a:t>
+              <a:t>12-Nov-19</a:t>
             </a:fld>
             <a:endParaRPr lang="en-US"/>
           </a:p>

--- a/Document-Templates/SoftUni-PowerPoint-Template-Nov-2019.pptx
+++ b/Document-Templates/SoftUni-PowerPoint-Template-Nov-2019.pptx
@@ -301,7 +301,7 @@
           <a:p>
             <a:fld id="{4E087215-0C8F-4762-A664-737A353EC9A4}" type="datetimeFigureOut">
               <a:rPr lang="bg-BG" smtClean="0"/>
-              <a:t>12.11.2019 г.</a:t>
+              <a:t>17.4.2020 г.</a:t>
             </a:fld>
             <a:endParaRPr lang="bg-BG"/>
           </a:p>
@@ -492,7 +492,7 @@
           <a:p>
             <a:fld id="{72D84649-876A-46C9-8472-14CB09C070D8}" type="datetimeFigureOut">
               <a:rPr lang="en-US" smtClean="0"/>
-              <a:t>12-Nov-19</a:t>
+              <a:t>17-Apr-20</a:t>
             </a:fld>
             <a:endParaRPr lang="en-US"/>
           </a:p>
@@ -8237,6 +8237,613 @@
 
 <file path=ppt/slideLayouts/slideLayout10.xml><?xml version="1.0" encoding="utf-8"?>
 <p:sldLayout xmlns:a="http://schemas.openxmlformats.org/drawingml/2006/main" xmlns:r="http://schemas.openxmlformats.org/officeDocument/2006/relationships" xmlns:p="http://schemas.openxmlformats.org/presentationml/2006/main" preserve="1" userDrawn="1">
+  <p:cSld name="Comparison Slide">
+    <p:spTree>
+      <p:nvGrpSpPr>
+        <p:cNvPr id="1" name=""/>
+        <p:cNvGrpSpPr/>
+        <p:nvPr/>
+      </p:nvGrpSpPr>
+      <p:grpSpPr>
+        <a:xfrm>
+          <a:off x="0" y="0"/>
+          <a:ext cx="0" cy="0"/>
+          <a:chOff x="0" y="0"/>
+          <a:chExt cx="0" cy="0"/>
+        </a:xfrm>
+      </p:grpSpPr>
+      <p:sp>
+        <p:nvSpPr>
+          <p:cNvPr id="2" name="Rectangle Bottom"/>
+          <p:cNvSpPr/>
+          <p:nvPr/>
+        </p:nvSpPr>
+        <p:spPr>
+          <a:xfrm>
+            <a:off x="2" y="6264000"/>
+            <a:ext cx="12192000" cy="594000"/>
+          </a:xfrm>
+          <a:prstGeom prst="rect">
+            <a:avLst/>
+          </a:prstGeom>
+          <a:solidFill>
+            <a:schemeClr val="tx2"/>
+          </a:solidFill>
+          <a:ln>
+            <a:noFill/>
+          </a:ln>
+        </p:spPr>
+        <p:style>
+          <a:lnRef idx="2">
+            <a:schemeClr val="accent1">
+              <a:shade val="50000"/>
+            </a:schemeClr>
+          </a:lnRef>
+          <a:fillRef idx="1">
+            <a:schemeClr val="accent1"/>
+          </a:fillRef>
+          <a:effectRef idx="0">
+            <a:schemeClr val="accent1"/>
+          </a:effectRef>
+          <a:fontRef idx="minor">
+            <a:schemeClr val="lt1"/>
+          </a:fontRef>
+        </p:style>
+        <p:txBody>
+          <a:bodyPr rot="0" spcFirstLastPara="0" vertOverflow="overflow" horzOverflow="overflow" vert="horz" wrap="square" lIns="121856" tIns="60928" rIns="121856" bIns="60928" numCol="1" spcCol="0" rtlCol="0" fromWordArt="0" anchor="ctr" anchorCtr="0" forceAA="0" compatLnSpc="1">
+            <a:prstTxWarp prst="textNoShape">
+              <a:avLst/>
+            </a:prstTxWarp>
+            <a:noAutofit/>
+          </a:bodyPr>
+          <a:lstStyle/>
+          <a:p>
+            <a:pPr marL="0" marR="0" lvl="0" indent="0" algn="ctr" defTabSz="913852" rtl="0" eaLnBrk="1" fontAlgn="auto" latinLnBrk="0" hangingPunct="1">
+              <a:lnSpc>
+                <a:spcPct val="100000"/>
+              </a:lnSpc>
+              <a:spcBef>
+                <a:spcPts val="0"/>
+              </a:spcBef>
+              <a:spcAft>
+                <a:spcPts val="0"/>
+              </a:spcAft>
+              <a:buClrTx/>
+              <a:buSzTx/>
+              <a:buFontTx/>
+              <a:buNone/>
+              <a:tabLst/>
+              <a:defRPr/>
+            </a:pPr>
+            <a:endParaRPr kumimoji="0" lang="en-US" altLang="ko-KR" sz="2398" b="0" i="0" u="none" strike="noStrike" kern="1200" cap="none" spc="0" normalizeH="0" baseline="0" noProof="0">
+              <a:ln>
+                <a:noFill/>
+              </a:ln>
+              <a:solidFill>
+                <a:srgbClr val="F7C86D"/>
+              </a:solidFill>
+              <a:effectLst/>
+              <a:uLnTx/>
+              <a:uFillTx/>
+              <a:latin typeface="Calibri" panose="020F0502020204030204"/>
+              <a:ea typeface="맑은 고딕" panose="020B0503020000020004" pitchFamily="34" charset="-127"/>
+              <a:cs typeface="+mn-cs"/>
+            </a:endParaRPr>
+          </a:p>
+        </p:txBody>
+      </p:sp>
+      <p:sp>
+        <p:nvSpPr>
+          <p:cNvPr id="11" name="Slide Number">
+            <a:extLst>
+              <a:ext uri="{FF2B5EF4-FFF2-40B4-BE49-F238E27FC236}">
+                <a16:creationId xmlns:a16="http://schemas.microsoft.com/office/drawing/2014/main" id="{6750ECE4-94E0-469B-B8E4-562792823B0F}"/>
+              </a:ext>
+            </a:extLst>
+          </p:cNvPr>
+          <p:cNvSpPr>
+            <a:spLocks noGrp="1"/>
+          </p:cNvSpPr>
+          <p:nvPr>
+            <p:ph type="sldNum" sz="quarter" idx="4"/>
+          </p:nvPr>
+        </p:nvSpPr>
+        <p:spPr>
+          <a:xfrm>
+            <a:off x="11753030" y="6462000"/>
+            <a:ext cx="367414" cy="297000"/>
+          </a:xfrm>
+          <a:prstGeom prst="rect">
+            <a:avLst/>
+          </a:prstGeom>
+        </p:spPr>
+        <p:txBody>
+          <a:bodyPr vert="horz" lIns="91440" tIns="45720" rIns="91440" bIns="45720" rtlCol="0" anchor="b"/>
+          <a:lstStyle>
+            <a:lvl1pPr algn="r">
+              <a:defRPr sz="1000">
+                <a:solidFill>
+                  <a:schemeClr val="bg2"/>
+                </a:solidFill>
+              </a:defRPr>
+            </a:lvl1pPr>
+          </a:lstStyle>
+          <a:p>
+            <a:fld id="{2BF067CD-8E6B-4360-9AA8-C5DF2A48A6D1}" type="slidenum">
+              <a:rPr lang="en-US" smtClean="0"/>
+              <a:pPr/>
+              <a:t>‹#›</a:t>
+            </a:fld>
+            <a:endParaRPr lang="en-US" dirty="0"/>
+          </a:p>
+        </p:txBody>
+      </p:sp>
+      <p:sp>
+        <p:nvSpPr>
+          <p:cNvPr id="4" name="Oval Logo Holder"/>
+          <p:cNvSpPr/>
+          <p:nvPr/>
+        </p:nvSpPr>
+        <p:spPr>
+          <a:xfrm>
+            <a:off x="5161650" y="4824665"/>
+            <a:ext cx="1868701" cy="1868701"/>
+          </a:xfrm>
+          <a:prstGeom prst="ellipse">
+            <a:avLst/>
+          </a:prstGeom>
+          <a:solidFill>
+            <a:schemeClr val="tx2"/>
+          </a:solidFill>
+          <a:ln w="63500">
+            <a:solidFill>
+              <a:schemeClr val="bg2"/>
+            </a:solidFill>
+          </a:ln>
+        </p:spPr>
+        <p:style>
+          <a:lnRef idx="2">
+            <a:schemeClr val="accent1">
+              <a:shade val="50000"/>
+            </a:schemeClr>
+          </a:lnRef>
+          <a:fillRef idx="1">
+            <a:schemeClr val="accent1"/>
+          </a:fillRef>
+          <a:effectRef idx="0">
+            <a:schemeClr val="accent1"/>
+          </a:effectRef>
+          <a:fontRef idx="minor">
+            <a:schemeClr val="lt1"/>
+          </a:fontRef>
+        </p:style>
+        <p:txBody>
+          <a:bodyPr rtlCol="0" anchor="ctr"/>
+          <a:lstStyle/>
+          <a:p>
+            <a:pPr marL="0" marR="0" lvl="0" indent="0" algn="ctr" defTabSz="913852" rtl="0" eaLnBrk="1" fontAlgn="auto" latinLnBrk="0" hangingPunct="1">
+              <a:lnSpc>
+                <a:spcPct val="100000"/>
+              </a:lnSpc>
+              <a:spcBef>
+                <a:spcPts val="0"/>
+              </a:spcBef>
+              <a:spcAft>
+                <a:spcPts val="0"/>
+              </a:spcAft>
+              <a:buClrTx/>
+              <a:buSzTx/>
+              <a:buFontTx/>
+              <a:buNone/>
+              <a:tabLst/>
+              <a:defRPr/>
+            </a:pPr>
+            <a:endParaRPr kumimoji="0" lang="en-US" altLang="ko-KR" sz="2398" b="0" i="0" u="none" strike="noStrike" kern="1200" cap="none" spc="0" normalizeH="0" baseline="0" noProof="0">
+              <a:ln>
+                <a:noFill/>
+              </a:ln>
+              <a:solidFill>
+                <a:srgbClr val="F7C86D"/>
+              </a:solidFill>
+              <a:effectLst/>
+              <a:uLnTx/>
+              <a:uFillTx/>
+              <a:latin typeface="Calibri" panose="020F0502020204030204"/>
+              <a:ea typeface="맑은 고딕" panose="020B0503020000020004" pitchFamily="34" charset="-127"/>
+              <a:cs typeface="+mn-cs"/>
+            </a:endParaRPr>
+          </a:p>
+        </p:txBody>
+      </p:sp>
+      <p:pic>
+        <p:nvPicPr>
+          <p:cNvPr id="12" name="Logo Software University Down" descr="Software University logo">
+            <a:extLst>
+              <a:ext uri="{FF2B5EF4-FFF2-40B4-BE49-F238E27FC236}">
+                <a16:creationId xmlns:a16="http://schemas.microsoft.com/office/drawing/2014/main" id="{7028D2F0-1E67-414B-A93D-D3F8F131A132}"/>
+              </a:ext>
+            </a:extLst>
+          </p:cNvPr>
+          <p:cNvPicPr>
+            <a:picLocks noChangeAspect="1"/>
+          </p:cNvPicPr>
+          <p:nvPr/>
+        </p:nvPicPr>
+        <p:blipFill>
+          <a:blip r:embed="rId2" cstate="print">
+            <a:extLst>
+              <a:ext uri="{28A0092B-C50C-407E-A947-70E740481C1C}">
+                <a14:useLocalDpi xmlns:a14="http://schemas.microsoft.com/office/drawing/2010/main" val="0"/>
+              </a:ext>
+            </a:extLst>
+          </a:blip>
+          <a:stretch>
+            <a:fillRect/>
+          </a:stretch>
+        </p:blipFill>
+        <p:spPr>
+          <a:xfrm>
+            <a:off x="5616551" y="5206773"/>
+            <a:ext cx="958900" cy="1184869"/>
+          </a:xfrm>
+          <a:prstGeom prst="rect">
+            <a:avLst/>
+          </a:prstGeom>
+        </p:spPr>
+      </p:pic>
+      <p:sp>
+        <p:nvSpPr>
+          <p:cNvPr id="10" name="Text Placeholder Right">
+            <a:extLst>
+              <a:ext uri="{FF2B5EF4-FFF2-40B4-BE49-F238E27FC236}">
+                <a16:creationId xmlns:a16="http://schemas.microsoft.com/office/drawing/2014/main" id="{AF69A59F-C564-4A04-B1CC-31C261499991}"/>
+              </a:ext>
+            </a:extLst>
+          </p:cNvPr>
+          <p:cNvSpPr>
+            <a:spLocks noGrp="1"/>
+          </p:cNvSpPr>
+          <p:nvPr>
+            <p:ph type="body" sz="quarter" idx="11" hasCustomPrompt="1"/>
+          </p:nvPr>
+        </p:nvSpPr>
+        <p:spPr>
+          <a:xfrm>
+            <a:off x="6456000" y="1195931"/>
+            <a:ext cx="5545597" cy="4957073"/>
+          </a:xfrm>
+        </p:spPr>
+        <p:txBody>
+          <a:bodyPr/>
+          <a:lstStyle>
+            <a:lvl1pPr latinLnBrk="0">
+              <a:defRPr/>
+            </a:lvl1pPr>
+            <a:lvl2pPr latinLnBrk="0">
+              <a:defRPr/>
+            </a:lvl2pPr>
+            <a:lvl3pPr latinLnBrk="0">
+              <a:defRPr/>
+            </a:lvl3pPr>
+            <a:lvl4pPr latinLnBrk="0">
+              <a:defRPr/>
+            </a:lvl4pPr>
+            <a:lvl5pPr latinLnBrk="0">
+              <a:defRPr/>
+            </a:lvl5pPr>
+          </a:lstStyle>
+          <a:p>
+            <a:pPr lvl="0"/>
+            <a:r>
+              <a:rPr lang="en-US" noProof="0" dirty="0"/>
+              <a:t>Edit Master text styles</a:t>
+            </a:r>
+          </a:p>
+          <a:p>
+            <a:pPr lvl="1"/>
+            <a:r>
+              <a:rPr lang="en-US" noProof="0" dirty="0"/>
+              <a:t>Second level</a:t>
+            </a:r>
+          </a:p>
+          <a:p>
+            <a:pPr lvl="2"/>
+            <a:r>
+              <a:rPr lang="en-US" noProof="0" dirty="0"/>
+              <a:t>Third level</a:t>
+            </a:r>
+          </a:p>
+          <a:p>
+            <a:pPr lvl="3"/>
+            <a:r>
+              <a:rPr lang="en-US" noProof="0" dirty="0"/>
+              <a:t>Fourth level</a:t>
+            </a:r>
+          </a:p>
+          <a:p>
+            <a:pPr lvl="4"/>
+            <a:r>
+              <a:rPr lang="en-US" noProof="0" dirty="0"/>
+              <a:t>Fifth level</a:t>
+            </a:r>
+          </a:p>
+        </p:txBody>
+      </p:sp>
+      <p:sp>
+        <p:nvSpPr>
+          <p:cNvPr id="9" name="Text Placeholder Left">
+            <a:extLst>
+              <a:ext uri="{FF2B5EF4-FFF2-40B4-BE49-F238E27FC236}">
+                <a16:creationId xmlns:a16="http://schemas.microsoft.com/office/drawing/2014/main" id="{C8A626D2-456B-41EF-9818-EA8DD7E314DA}"/>
+              </a:ext>
+            </a:extLst>
+          </p:cNvPr>
+          <p:cNvSpPr>
+            <a:spLocks noGrp="1"/>
+          </p:cNvSpPr>
+          <p:nvPr>
+            <p:ph type="body" sz="quarter" idx="10" hasCustomPrompt="1"/>
+          </p:nvPr>
+        </p:nvSpPr>
+        <p:spPr>
+          <a:xfrm>
+            <a:off x="190402" y="1195931"/>
+            <a:ext cx="5545598" cy="4957073"/>
+          </a:xfrm>
+        </p:spPr>
+        <p:txBody>
+          <a:bodyPr/>
+          <a:lstStyle>
+            <a:lvl1pPr latinLnBrk="0">
+              <a:defRPr/>
+            </a:lvl1pPr>
+            <a:lvl2pPr latinLnBrk="0">
+              <a:defRPr/>
+            </a:lvl2pPr>
+            <a:lvl3pPr latinLnBrk="0">
+              <a:defRPr/>
+            </a:lvl3pPr>
+            <a:lvl4pPr latinLnBrk="0">
+              <a:defRPr/>
+            </a:lvl4pPr>
+            <a:lvl5pPr latinLnBrk="0">
+              <a:defRPr/>
+            </a:lvl5pPr>
+          </a:lstStyle>
+          <a:p>
+            <a:pPr lvl="0"/>
+            <a:r>
+              <a:rPr lang="en-US" noProof="0" dirty="0"/>
+              <a:t>Edit Master text styles</a:t>
+            </a:r>
+          </a:p>
+          <a:p>
+            <a:pPr lvl="1"/>
+            <a:r>
+              <a:rPr lang="en-US" noProof="0" dirty="0"/>
+              <a:t>Second level</a:t>
+            </a:r>
+          </a:p>
+          <a:p>
+            <a:pPr lvl="2"/>
+            <a:r>
+              <a:rPr lang="en-US" noProof="0" dirty="0"/>
+              <a:t>Third level</a:t>
+            </a:r>
+          </a:p>
+          <a:p>
+            <a:pPr lvl="3"/>
+            <a:r>
+              <a:rPr lang="en-US" noProof="0" dirty="0"/>
+              <a:t>Fourth level</a:t>
+            </a:r>
+          </a:p>
+          <a:p>
+            <a:pPr lvl="4"/>
+            <a:r>
+              <a:rPr lang="en-US" noProof="0" dirty="0"/>
+              <a:t>Fifth level</a:t>
+            </a:r>
+          </a:p>
+        </p:txBody>
+      </p:sp>
+      <p:sp>
+        <p:nvSpPr>
+          <p:cNvPr id="13" name="Rectangle Top">
+            <a:extLst>
+              <a:ext uri="{FF2B5EF4-FFF2-40B4-BE49-F238E27FC236}">
+                <a16:creationId xmlns:a16="http://schemas.microsoft.com/office/drawing/2014/main" id="{E03301DA-D0AF-46FD-8740-2F761250203A}"/>
+              </a:ext>
+            </a:extLst>
+          </p:cNvPr>
+          <p:cNvSpPr/>
+          <p:nvPr userDrawn="1"/>
+        </p:nvSpPr>
+        <p:spPr>
+          <a:xfrm>
+            <a:off x="0" y="0"/>
+            <a:ext cx="12196800" cy="1095376"/>
+          </a:xfrm>
+          <a:prstGeom prst="rect">
+            <a:avLst/>
+          </a:prstGeom>
+          <a:solidFill>
+            <a:schemeClr val="tx2"/>
+          </a:solidFill>
+          <a:ln>
+            <a:noFill/>
+          </a:ln>
+        </p:spPr>
+        <p:style>
+          <a:lnRef idx="2">
+            <a:schemeClr val="accent1">
+              <a:shade val="50000"/>
+            </a:schemeClr>
+          </a:lnRef>
+          <a:fillRef idx="1">
+            <a:schemeClr val="accent1"/>
+          </a:fillRef>
+          <a:effectRef idx="0">
+            <a:schemeClr val="accent1"/>
+          </a:effectRef>
+          <a:fontRef idx="minor">
+            <a:schemeClr val="lt1"/>
+          </a:fontRef>
+        </p:style>
+        <p:txBody>
+          <a:bodyPr rtlCol="0" anchor="ctr"/>
+          <a:lstStyle/>
+          <a:p>
+            <a:pPr marL="0" marR="0" lvl="0" indent="0" algn="ctr" defTabSz="913852" rtl="0" eaLnBrk="1" fontAlgn="auto" latinLnBrk="0" hangingPunct="1">
+              <a:lnSpc>
+                <a:spcPct val="100000"/>
+              </a:lnSpc>
+              <a:spcBef>
+                <a:spcPts val="0"/>
+              </a:spcBef>
+              <a:spcAft>
+                <a:spcPts val="0"/>
+              </a:spcAft>
+              <a:buClrTx/>
+              <a:buSzTx/>
+              <a:buFontTx/>
+              <a:buNone/>
+              <a:tabLst/>
+              <a:defRPr/>
+            </a:pPr>
+            <a:endParaRPr kumimoji="0" lang="en-US" altLang="ko-KR" sz="2398" b="0" i="0" u="none" strike="noStrike" kern="1200" cap="none" spc="0" normalizeH="0" baseline="0" noProof="0">
+              <a:ln>
+                <a:noFill/>
+              </a:ln>
+              <a:solidFill>
+                <a:srgbClr val="F7C86D"/>
+              </a:solidFill>
+              <a:effectLst/>
+              <a:uLnTx/>
+              <a:uFillTx/>
+              <a:latin typeface="Calibri" panose="020F0502020204030204"/>
+              <a:ea typeface="맑은 고딕" panose="020B0503020000020004" pitchFamily="34" charset="-127"/>
+              <a:cs typeface="+mn-cs"/>
+            </a:endParaRPr>
+          </a:p>
+        </p:txBody>
+      </p:sp>
+      <p:pic>
+        <p:nvPicPr>
+          <p:cNvPr id="14" name="Logo Software University" descr="Software University logo">
+            <a:extLst>
+              <a:ext uri="{FF2B5EF4-FFF2-40B4-BE49-F238E27FC236}">
+                <a16:creationId xmlns:a16="http://schemas.microsoft.com/office/drawing/2014/main" id="{19A67BB9-D880-4EAD-B90E-89C4219BFC0B}"/>
+              </a:ext>
+            </a:extLst>
+          </p:cNvPr>
+          <p:cNvPicPr>
+            <a:picLocks noChangeAspect="1"/>
+          </p:cNvPicPr>
+          <p:nvPr userDrawn="1"/>
+        </p:nvPicPr>
+        <p:blipFill>
+          <a:blip r:embed="rId3">
+            <a:extLst>
+              <a:ext uri="{28A0092B-C50C-407E-A947-70E740481C1C}">
+                <a14:useLocalDpi xmlns:a14="http://schemas.microsoft.com/office/drawing/2010/main" val="0"/>
+              </a:ext>
+            </a:extLst>
+          </a:blip>
+          <a:stretch>
+            <a:fillRect/>
+          </a:stretch>
+        </p:blipFill>
+        <p:spPr>
+          <a:xfrm>
+            <a:off x="10067957" y="253936"/>
+            <a:ext cx="1915704" cy="559235"/>
+          </a:xfrm>
+          <a:prstGeom prst="rect">
+            <a:avLst/>
+          </a:prstGeom>
+        </p:spPr>
+      </p:pic>
+      <p:sp>
+        <p:nvSpPr>
+          <p:cNvPr id="15" name="Slide Title">
+            <a:extLst>
+              <a:ext uri="{FF2B5EF4-FFF2-40B4-BE49-F238E27FC236}">
+                <a16:creationId xmlns:a16="http://schemas.microsoft.com/office/drawing/2014/main" id="{EA9A94D1-F9F6-4D7B-85E3-896A987B6A4D}"/>
+              </a:ext>
+            </a:extLst>
+          </p:cNvPr>
+          <p:cNvSpPr>
+            <a:spLocks noGrp="1"/>
+          </p:cNvSpPr>
+          <p:nvPr>
+            <p:ph type="title" hasCustomPrompt="1"/>
+          </p:nvPr>
+        </p:nvSpPr>
+        <p:spPr>
+          <a:xfrm>
+            <a:off x="190406" y="100750"/>
+            <a:ext cx="9715594" cy="882654"/>
+          </a:xfrm>
+        </p:spPr>
+        <p:txBody>
+          <a:bodyPr/>
+          <a:lstStyle>
+            <a:lvl1pPr latinLnBrk="0">
+              <a:defRPr>
+                <a:solidFill>
+                  <a:schemeClr val="bg2"/>
+                </a:solidFill>
+              </a:defRPr>
+            </a:lvl1pPr>
+          </a:lstStyle>
+          <a:p>
+            <a:r>
+              <a:rPr lang="en-US" noProof="0" dirty="0"/>
+              <a:t>Slide Title</a:t>
+            </a:r>
+          </a:p>
+        </p:txBody>
+      </p:sp>
+    </p:spTree>
+    <p:extLst>
+      <p:ext uri="{BB962C8B-B14F-4D97-AF65-F5344CB8AC3E}">
+        <p14:creationId xmlns:p14="http://schemas.microsoft.com/office/powerpoint/2010/main" val="3044033461"/>
+      </p:ext>
+    </p:extLst>
+  </p:cSld>
+  <p:clrMapOvr>
+    <a:masterClrMapping/>
+  </p:clrMapOvr>
+  <mc:AlternateContent xmlns:mc="http://schemas.openxmlformats.org/markup-compatibility/2006" xmlns:p14="http://schemas.microsoft.com/office/powerpoint/2010/main">
+    <mc:Choice Requires="p14">
+      <p:transition spd="slow" p14:dur="2000" advClick="0" advTm="5000"/>
+    </mc:Choice>
+    <mc:Fallback xmlns="">
+      <p:transition spd="slow" advClick="0" advTm="5000"/>
+    </mc:Fallback>
+  </mc:AlternateContent>
+  <p:extLst>
+    <p:ext uri="{DCECCB84-F9BA-43D5-87BE-67443E8EF086}">
+      <p15:sldGuideLst xmlns:p15="http://schemas.microsoft.com/office/powerpoint/2012/main">
+        <p15:guide id="1" orient="horz" pos="2160">
+          <p15:clr>
+            <a:srgbClr val="FBAE40"/>
+          </p15:clr>
+        </p15:guide>
+        <p15:guide id="2" pos="3840">
+          <p15:clr>
+            <a:srgbClr val="FBAE40"/>
+          </p15:clr>
+        </p15:guide>
+      </p15:sldGuideLst>
+    </p:ext>
+  </p:extLst>
+</p:sldLayout>
+</file>
+
+<file path=ppt/slideLayouts/slideLayout11.xml><?xml version="1.0" encoding="utf-8"?>
+<p:sldLayout xmlns:a="http://schemas.openxmlformats.org/drawingml/2006/main" xmlns:r="http://schemas.openxmlformats.org/officeDocument/2006/relationships" xmlns:p="http://schemas.openxmlformats.org/presentationml/2006/main" preserve="1" userDrawn="1">
   <p:cSld name="Image and Content">
     <p:spTree>
       <p:nvGrpSpPr>
@@ -8860,7 +9467,7 @@
 </p:sldLayout>
 </file>
 
-<file path=ppt/slideLayouts/slideLayout11.xml><?xml version="1.0" encoding="utf-8"?>
+<file path=ppt/slideLayouts/slideLayout12.xml><?xml version="1.0" encoding="utf-8"?>
 <p:sldLayout xmlns:a="http://schemas.openxmlformats.org/drawingml/2006/main" xmlns:r="http://schemas.openxmlformats.org/officeDocument/2006/relationships" xmlns:p="http://schemas.openxmlformats.org/presentationml/2006/main" preserve="1" userDrawn="1">
   <p:cSld name="Questions Slide">
     <p:bg>
@@ -9856,7 +10463,7 @@
 </p:sldLayout>
 </file>
 
-<file path=ppt/slideLayouts/slideLayout12.xml><?xml version="1.0" encoding="utf-8"?>
+<file path=ppt/slideLayouts/slideLayout13.xml><?xml version="1.0" encoding="utf-8"?>
 <p:sldLayout xmlns:a="http://schemas.openxmlformats.org/drawingml/2006/main" xmlns:r="http://schemas.openxmlformats.org/officeDocument/2006/relationships" xmlns:p="http://schemas.openxmlformats.org/presentationml/2006/main" preserve="1" userDrawn="1">
   <p:cSld name="About Slide">
     <p:spTree>
@@ -12362,6 +12969,210 @@
 </file>
 
 <file path=ppt/slideLayouts/slideLayout8.xml><?xml version="1.0" encoding="utf-8"?>
+<p:sldLayout xmlns:a="http://schemas.openxmlformats.org/drawingml/2006/main" xmlns:r="http://schemas.openxmlformats.org/officeDocument/2006/relationships" xmlns:p="http://schemas.openxmlformats.org/presentationml/2006/main" preserve="1">
+  <p:cSld name="Demo Slide">
+    <p:spTree>
+      <p:nvGrpSpPr>
+        <p:cNvPr id="1" name=""/>
+        <p:cNvGrpSpPr/>
+        <p:nvPr/>
+      </p:nvGrpSpPr>
+      <p:grpSpPr>
+        <a:xfrm>
+          <a:off x="0" y="0"/>
+          <a:ext cx="0" cy="0"/>
+          <a:chOff x="0" y="0"/>
+          <a:chExt cx="0" cy="0"/>
+        </a:xfrm>
+      </p:grpSpPr>
+      <p:sp>
+        <p:nvSpPr>
+          <p:cNvPr id="4" name="Oval Center Icon"/>
+          <p:cNvSpPr>
+            <a:spLocks noChangeAspect="1"/>
+          </p:cNvSpPr>
+          <p:nvPr/>
+        </p:nvSpPr>
+        <p:spPr>
+          <a:xfrm>
+            <a:off x="831000" y="1091471"/>
+            <a:ext cx="3552529" cy="3552529"/>
+          </a:xfrm>
+          <a:prstGeom prst="ellipse">
+            <a:avLst/>
+          </a:prstGeom>
+          <a:solidFill>
+            <a:schemeClr val="tx2"/>
+          </a:solidFill>
+          <a:ln>
+            <a:noFill/>
+          </a:ln>
+        </p:spPr>
+        <p:style>
+          <a:lnRef idx="2">
+            <a:schemeClr val="accent1">
+              <a:shade val="50000"/>
+            </a:schemeClr>
+          </a:lnRef>
+          <a:fillRef idx="1">
+            <a:schemeClr val="accent1"/>
+          </a:fillRef>
+          <a:effectRef idx="0">
+            <a:schemeClr val="accent1"/>
+          </a:effectRef>
+          <a:fontRef idx="minor">
+            <a:schemeClr val="lt1"/>
+          </a:fontRef>
+        </p:style>
+        <p:txBody>
+          <a:bodyPr rtlCol="0" anchor="ctr"/>
+          <a:lstStyle/>
+          <a:p>
+            <a:pPr marL="0" marR="0" lvl="0" indent="0" algn="ctr" defTabSz="913852" rtl="0" eaLnBrk="1" fontAlgn="auto" latinLnBrk="0" hangingPunct="1">
+              <a:lnSpc>
+                <a:spcPct val="100000"/>
+              </a:lnSpc>
+              <a:spcBef>
+                <a:spcPts val="0"/>
+              </a:spcBef>
+              <a:spcAft>
+                <a:spcPts val="0"/>
+              </a:spcAft>
+              <a:buClrTx/>
+              <a:buSzTx/>
+              <a:buFontTx/>
+              <a:buNone/>
+              <a:tabLst/>
+              <a:defRPr/>
+            </a:pPr>
+            <a:endParaRPr kumimoji="0" lang="en-US" altLang="ko-KR" sz="2398" b="0" i="0" u="none" strike="noStrike" kern="1200" cap="none" spc="0" normalizeH="0" baseline="0" noProof="0">
+              <a:ln>
+                <a:noFill/>
+              </a:ln>
+              <a:solidFill>
+                <a:srgbClr val="F7C86D"/>
+              </a:solidFill>
+              <a:effectLst/>
+              <a:uLnTx/>
+              <a:uFillTx/>
+              <a:latin typeface="Calibri" panose="020F0502020204030204"/>
+              <a:ea typeface="맑은 고딕" panose="020B0503020000020004" pitchFamily="34" charset="-127"/>
+              <a:cs typeface="+mn-cs"/>
+            </a:endParaRPr>
+          </a:p>
+        </p:txBody>
+      </p:sp>
+      <p:sp>
+        <p:nvSpPr>
+          <p:cNvPr id="11" name="Slide Subtitle"/>
+          <p:cNvSpPr>
+            <a:spLocks noGrp="1"/>
+          </p:cNvSpPr>
+          <p:nvPr>
+            <p:ph type="subTitle" sz="quarter" idx="11" hasCustomPrompt="1"/>
+          </p:nvPr>
+        </p:nvSpPr>
+        <p:spPr>
+          <a:xfrm>
+            <a:off x="5241000" y="3338387"/>
+            <a:ext cx="6065892" cy="768084"/>
+          </a:xfrm>
+          <a:prstGeom prst="rect">
+            <a:avLst/>
+          </a:prstGeom>
+        </p:spPr>
+        <p:txBody>
+          <a:bodyPr anchor="ctr">
+            <a:noAutofit/>
+          </a:bodyPr>
+          <a:lstStyle>
+            <a:lvl1pPr marL="0" indent="0" algn="ctr" latinLnBrk="0">
+              <a:buNone/>
+              <a:defRPr sz="3998" b="0" baseline="0">
+                <a:solidFill>
+                  <a:schemeClr val="tx1"/>
+                </a:solidFill>
+                <a:latin typeface="+mn-lt"/>
+                <a:cs typeface="Arial" pitchFamily="34" charset="0"/>
+              </a:defRPr>
+            </a:lvl1pPr>
+          </a:lstStyle>
+          <a:p>
+            <a:pPr lvl="0"/>
+            <a:r>
+              <a:rPr lang="en-US" noProof="0" dirty="0"/>
+              <a:t>Click to Edit Section Subtitle</a:t>
+            </a:r>
+          </a:p>
+        </p:txBody>
+      </p:sp>
+      <p:sp>
+        <p:nvSpPr>
+          <p:cNvPr id="10" name="Slide Title"/>
+          <p:cNvSpPr>
+            <a:spLocks noGrp="1"/>
+          </p:cNvSpPr>
+          <p:nvPr>
+            <p:ph type="title" sz="quarter" idx="10" hasCustomPrompt="1"/>
+          </p:nvPr>
+        </p:nvSpPr>
+        <p:spPr>
+          <a:xfrm>
+            <a:off x="5241000" y="1471047"/>
+            <a:ext cx="6065892" cy="1754333"/>
+          </a:xfrm>
+          <a:prstGeom prst="rect">
+            <a:avLst/>
+          </a:prstGeom>
+        </p:spPr>
+        <p:txBody>
+          <a:bodyPr anchor="ctr">
+            <a:noAutofit/>
+          </a:bodyPr>
+          <a:lstStyle>
+            <a:lvl1pPr marL="0" indent="0" algn="ctr" latinLnBrk="0">
+              <a:buNone/>
+              <a:defRPr sz="5396" b="1" baseline="0">
+                <a:solidFill>
+                  <a:schemeClr val="tx1"/>
+                </a:solidFill>
+                <a:latin typeface="+mj-lt"/>
+                <a:cs typeface="Arial" pitchFamily="34" charset="0"/>
+              </a:defRPr>
+            </a:lvl1pPr>
+          </a:lstStyle>
+          <a:p>
+            <a:pPr lvl="0"/>
+            <a:r>
+              <a:rPr lang="en-US" noProof="0" dirty="0"/>
+              <a:t>Click to Edit Section Title</a:t>
+            </a:r>
+            <a:endParaRPr lang="en-US" altLang="ko-KR" noProof="0" dirty="0"/>
+          </a:p>
+        </p:txBody>
+      </p:sp>
+    </p:spTree>
+    <p:extLst>
+      <p:ext uri="{BB962C8B-B14F-4D97-AF65-F5344CB8AC3E}">
+        <p14:creationId xmlns:p14="http://schemas.microsoft.com/office/powerpoint/2010/main" val="2423919747"/>
+      </p:ext>
+    </p:extLst>
+  </p:cSld>
+  <p:clrMapOvr>
+    <a:masterClrMapping/>
+  </p:clrMapOvr>
+  <mc:AlternateContent xmlns:mc="http://schemas.openxmlformats.org/markup-compatibility/2006" xmlns:p14="http://schemas.microsoft.com/office/powerpoint/2010/main">
+    <mc:Choice Requires="p14">
+      <p:transition spd="slow" p14:dur="2000" advClick="0" advTm="5000"/>
+    </mc:Choice>
+    <mc:Fallback xmlns="">
+      <p:transition spd="slow" advClick="0" advTm="5000"/>
+    </mc:Fallback>
+  </mc:AlternateContent>
+</p:sldLayout>
+</file>
+
+<file path=ppt/slideLayouts/slideLayout9.xml><?xml version="1.0" encoding="utf-8"?>
 <p:sldLayout xmlns:a="http://schemas.openxmlformats.org/drawingml/2006/main" xmlns:r="http://schemas.openxmlformats.org/officeDocument/2006/relationships" xmlns:p="http://schemas.openxmlformats.org/presentationml/2006/main" preserve="1" userDrawn="1">
   <p:cSld name="Table of Contents">
     <p:spTree>
@@ -12726,613 +13537,6 @@
 </p:sldLayout>
 </file>
 
-<file path=ppt/slideLayouts/slideLayout9.xml><?xml version="1.0" encoding="utf-8"?>
-<p:sldLayout xmlns:a="http://schemas.openxmlformats.org/drawingml/2006/main" xmlns:r="http://schemas.openxmlformats.org/officeDocument/2006/relationships" xmlns:p="http://schemas.openxmlformats.org/presentationml/2006/main" preserve="1" userDrawn="1">
-  <p:cSld name="Comparison Slide">
-    <p:spTree>
-      <p:nvGrpSpPr>
-        <p:cNvPr id="1" name=""/>
-        <p:cNvGrpSpPr/>
-        <p:nvPr/>
-      </p:nvGrpSpPr>
-      <p:grpSpPr>
-        <a:xfrm>
-          <a:off x="0" y="0"/>
-          <a:ext cx="0" cy="0"/>
-          <a:chOff x="0" y="0"/>
-          <a:chExt cx="0" cy="0"/>
-        </a:xfrm>
-      </p:grpSpPr>
-      <p:sp>
-        <p:nvSpPr>
-          <p:cNvPr id="2" name="Rectangle Bottom"/>
-          <p:cNvSpPr/>
-          <p:nvPr/>
-        </p:nvSpPr>
-        <p:spPr>
-          <a:xfrm>
-            <a:off x="2" y="6264000"/>
-            <a:ext cx="12192000" cy="594000"/>
-          </a:xfrm>
-          <a:prstGeom prst="rect">
-            <a:avLst/>
-          </a:prstGeom>
-          <a:solidFill>
-            <a:schemeClr val="tx2"/>
-          </a:solidFill>
-          <a:ln>
-            <a:noFill/>
-          </a:ln>
-        </p:spPr>
-        <p:style>
-          <a:lnRef idx="2">
-            <a:schemeClr val="accent1">
-              <a:shade val="50000"/>
-            </a:schemeClr>
-          </a:lnRef>
-          <a:fillRef idx="1">
-            <a:schemeClr val="accent1"/>
-          </a:fillRef>
-          <a:effectRef idx="0">
-            <a:schemeClr val="accent1"/>
-          </a:effectRef>
-          <a:fontRef idx="minor">
-            <a:schemeClr val="lt1"/>
-          </a:fontRef>
-        </p:style>
-        <p:txBody>
-          <a:bodyPr rot="0" spcFirstLastPara="0" vertOverflow="overflow" horzOverflow="overflow" vert="horz" wrap="square" lIns="121856" tIns="60928" rIns="121856" bIns="60928" numCol="1" spcCol="0" rtlCol="0" fromWordArt="0" anchor="ctr" anchorCtr="0" forceAA="0" compatLnSpc="1">
-            <a:prstTxWarp prst="textNoShape">
-              <a:avLst/>
-            </a:prstTxWarp>
-            <a:noAutofit/>
-          </a:bodyPr>
-          <a:lstStyle/>
-          <a:p>
-            <a:pPr marL="0" marR="0" lvl="0" indent="0" algn="ctr" defTabSz="913852" rtl="0" eaLnBrk="1" fontAlgn="auto" latinLnBrk="0" hangingPunct="1">
-              <a:lnSpc>
-                <a:spcPct val="100000"/>
-              </a:lnSpc>
-              <a:spcBef>
-                <a:spcPts val="0"/>
-              </a:spcBef>
-              <a:spcAft>
-                <a:spcPts val="0"/>
-              </a:spcAft>
-              <a:buClrTx/>
-              <a:buSzTx/>
-              <a:buFontTx/>
-              <a:buNone/>
-              <a:tabLst/>
-              <a:defRPr/>
-            </a:pPr>
-            <a:endParaRPr kumimoji="0" lang="en-US" altLang="ko-KR" sz="2398" b="0" i="0" u="none" strike="noStrike" kern="1200" cap="none" spc="0" normalizeH="0" baseline="0" noProof="0">
-              <a:ln>
-                <a:noFill/>
-              </a:ln>
-              <a:solidFill>
-                <a:srgbClr val="F7C86D"/>
-              </a:solidFill>
-              <a:effectLst/>
-              <a:uLnTx/>
-              <a:uFillTx/>
-              <a:latin typeface="Calibri" panose="020F0502020204030204"/>
-              <a:ea typeface="맑은 고딕" panose="020B0503020000020004" pitchFamily="34" charset="-127"/>
-              <a:cs typeface="+mn-cs"/>
-            </a:endParaRPr>
-          </a:p>
-        </p:txBody>
-      </p:sp>
-      <p:sp>
-        <p:nvSpPr>
-          <p:cNvPr id="11" name="Slide Number">
-            <a:extLst>
-              <a:ext uri="{FF2B5EF4-FFF2-40B4-BE49-F238E27FC236}">
-                <a16:creationId xmlns:a16="http://schemas.microsoft.com/office/drawing/2014/main" id="{6750ECE4-94E0-469B-B8E4-562792823B0F}"/>
-              </a:ext>
-            </a:extLst>
-          </p:cNvPr>
-          <p:cNvSpPr>
-            <a:spLocks noGrp="1"/>
-          </p:cNvSpPr>
-          <p:nvPr>
-            <p:ph type="sldNum" sz="quarter" idx="4"/>
-          </p:nvPr>
-        </p:nvSpPr>
-        <p:spPr>
-          <a:xfrm>
-            <a:off x="11753030" y="6462000"/>
-            <a:ext cx="367414" cy="297000"/>
-          </a:xfrm>
-          <a:prstGeom prst="rect">
-            <a:avLst/>
-          </a:prstGeom>
-        </p:spPr>
-        <p:txBody>
-          <a:bodyPr vert="horz" lIns="91440" tIns="45720" rIns="91440" bIns="45720" rtlCol="0" anchor="b"/>
-          <a:lstStyle>
-            <a:lvl1pPr algn="r">
-              <a:defRPr sz="1000">
-                <a:solidFill>
-                  <a:schemeClr val="bg2"/>
-                </a:solidFill>
-              </a:defRPr>
-            </a:lvl1pPr>
-          </a:lstStyle>
-          <a:p>
-            <a:fld id="{2BF067CD-8E6B-4360-9AA8-C5DF2A48A6D1}" type="slidenum">
-              <a:rPr lang="en-US" smtClean="0"/>
-              <a:pPr/>
-              <a:t>‹#›</a:t>
-            </a:fld>
-            <a:endParaRPr lang="en-US" dirty="0"/>
-          </a:p>
-        </p:txBody>
-      </p:sp>
-      <p:sp>
-        <p:nvSpPr>
-          <p:cNvPr id="4" name="Oval Logo Holder"/>
-          <p:cNvSpPr/>
-          <p:nvPr/>
-        </p:nvSpPr>
-        <p:spPr>
-          <a:xfrm>
-            <a:off x="5161650" y="4824665"/>
-            <a:ext cx="1868701" cy="1868701"/>
-          </a:xfrm>
-          <a:prstGeom prst="ellipse">
-            <a:avLst/>
-          </a:prstGeom>
-          <a:solidFill>
-            <a:schemeClr val="tx2"/>
-          </a:solidFill>
-          <a:ln w="63500">
-            <a:solidFill>
-              <a:schemeClr val="bg2"/>
-            </a:solidFill>
-          </a:ln>
-        </p:spPr>
-        <p:style>
-          <a:lnRef idx="2">
-            <a:schemeClr val="accent1">
-              <a:shade val="50000"/>
-            </a:schemeClr>
-          </a:lnRef>
-          <a:fillRef idx="1">
-            <a:schemeClr val="accent1"/>
-          </a:fillRef>
-          <a:effectRef idx="0">
-            <a:schemeClr val="accent1"/>
-          </a:effectRef>
-          <a:fontRef idx="minor">
-            <a:schemeClr val="lt1"/>
-          </a:fontRef>
-        </p:style>
-        <p:txBody>
-          <a:bodyPr rtlCol="0" anchor="ctr"/>
-          <a:lstStyle/>
-          <a:p>
-            <a:pPr marL="0" marR="0" lvl="0" indent="0" algn="ctr" defTabSz="913852" rtl="0" eaLnBrk="1" fontAlgn="auto" latinLnBrk="0" hangingPunct="1">
-              <a:lnSpc>
-                <a:spcPct val="100000"/>
-              </a:lnSpc>
-              <a:spcBef>
-                <a:spcPts val="0"/>
-              </a:spcBef>
-              <a:spcAft>
-                <a:spcPts val="0"/>
-              </a:spcAft>
-              <a:buClrTx/>
-              <a:buSzTx/>
-              <a:buFontTx/>
-              <a:buNone/>
-              <a:tabLst/>
-              <a:defRPr/>
-            </a:pPr>
-            <a:endParaRPr kumimoji="0" lang="en-US" altLang="ko-KR" sz="2398" b="0" i="0" u="none" strike="noStrike" kern="1200" cap="none" spc="0" normalizeH="0" baseline="0" noProof="0">
-              <a:ln>
-                <a:noFill/>
-              </a:ln>
-              <a:solidFill>
-                <a:srgbClr val="F7C86D"/>
-              </a:solidFill>
-              <a:effectLst/>
-              <a:uLnTx/>
-              <a:uFillTx/>
-              <a:latin typeface="Calibri" panose="020F0502020204030204"/>
-              <a:ea typeface="맑은 고딕" panose="020B0503020000020004" pitchFamily="34" charset="-127"/>
-              <a:cs typeface="+mn-cs"/>
-            </a:endParaRPr>
-          </a:p>
-        </p:txBody>
-      </p:sp>
-      <p:pic>
-        <p:nvPicPr>
-          <p:cNvPr id="12" name="Logo Software University Down" descr="Software University logo">
-            <a:extLst>
-              <a:ext uri="{FF2B5EF4-FFF2-40B4-BE49-F238E27FC236}">
-                <a16:creationId xmlns:a16="http://schemas.microsoft.com/office/drawing/2014/main" id="{7028D2F0-1E67-414B-A93D-D3F8F131A132}"/>
-              </a:ext>
-            </a:extLst>
-          </p:cNvPr>
-          <p:cNvPicPr>
-            <a:picLocks noChangeAspect="1"/>
-          </p:cNvPicPr>
-          <p:nvPr/>
-        </p:nvPicPr>
-        <p:blipFill>
-          <a:blip r:embed="rId2" cstate="print">
-            <a:extLst>
-              <a:ext uri="{28A0092B-C50C-407E-A947-70E740481C1C}">
-                <a14:useLocalDpi xmlns:a14="http://schemas.microsoft.com/office/drawing/2010/main" val="0"/>
-              </a:ext>
-            </a:extLst>
-          </a:blip>
-          <a:stretch>
-            <a:fillRect/>
-          </a:stretch>
-        </p:blipFill>
-        <p:spPr>
-          <a:xfrm>
-            <a:off x="5616551" y="5206773"/>
-            <a:ext cx="958900" cy="1184869"/>
-          </a:xfrm>
-          <a:prstGeom prst="rect">
-            <a:avLst/>
-          </a:prstGeom>
-        </p:spPr>
-      </p:pic>
-      <p:sp>
-        <p:nvSpPr>
-          <p:cNvPr id="10" name="Text Placeholder Right">
-            <a:extLst>
-              <a:ext uri="{FF2B5EF4-FFF2-40B4-BE49-F238E27FC236}">
-                <a16:creationId xmlns:a16="http://schemas.microsoft.com/office/drawing/2014/main" id="{AF69A59F-C564-4A04-B1CC-31C261499991}"/>
-              </a:ext>
-            </a:extLst>
-          </p:cNvPr>
-          <p:cNvSpPr>
-            <a:spLocks noGrp="1"/>
-          </p:cNvSpPr>
-          <p:nvPr>
-            <p:ph type="body" sz="quarter" idx="11" hasCustomPrompt="1"/>
-          </p:nvPr>
-        </p:nvSpPr>
-        <p:spPr>
-          <a:xfrm>
-            <a:off x="6456000" y="1195931"/>
-            <a:ext cx="5545597" cy="4957073"/>
-          </a:xfrm>
-        </p:spPr>
-        <p:txBody>
-          <a:bodyPr/>
-          <a:lstStyle>
-            <a:lvl1pPr latinLnBrk="0">
-              <a:defRPr/>
-            </a:lvl1pPr>
-            <a:lvl2pPr latinLnBrk="0">
-              <a:defRPr/>
-            </a:lvl2pPr>
-            <a:lvl3pPr latinLnBrk="0">
-              <a:defRPr/>
-            </a:lvl3pPr>
-            <a:lvl4pPr latinLnBrk="0">
-              <a:defRPr/>
-            </a:lvl4pPr>
-            <a:lvl5pPr latinLnBrk="0">
-              <a:defRPr/>
-            </a:lvl5pPr>
-          </a:lstStyle>
-          <a:p>
-            <a:pPr lvl="0"/>
-            <a:r>
-              <a:rPr lang="en-US" noProof="0" dirty="0"/>
-              <a:t>Edit Master text styles</a:t>
-            </a:r>
-          </a:p>
-          <a:p>
-            <a:pPr lvl="1"/>
-            <a:r>
-              <a:rPr lang="en-US" noProof="0" dirty="0"/>
-              <a:t>Second level</a:t>
-            </a:r>
-          </a:p>
-          <a:p>
-            <a:pPr lvl="2"/>
-            <a:r>
-              <a:rPr lang="en-US" noProof="0" dirty="0"/>
-              <a:t>Third level</a:t>
-            </a:r>
-          </a:p>
-          <a:p>
-            <a:pPr lvl="3"/>
-            <a:r>
-              <a:rPr lang="en-US" noProof="0" dirty="0"/>
-              <a:t>Fourth level</a:t>
-            </a:r>
-          </a:p>
-          <a:p>
-            <a:pPr lvl="4"/>
-            <a:r>
-              <a:rPr lang="en-US" noProof="0" dirty="0"/>
-              <a:t>Fifth level</a:t>
-            </a:r>
-          </a:p>
-        </p:txBody>
-      </p:sp>
-      <p:sp>
-        <p:nvSpPr>
-          <p:cNvPr id="9" name="Text Placeholder Left">
-            <a:extLst>
-              <a:ext uri="{FF2B5EF4-FFF2-40B4-BE49-F238E27FC236}">
-                <a16:creationId xmlns:a16="http://schemas.microsoft.com/office/drawing/2014/main" id="{C8A626D2-456B-41EF-9818-EA8DD7E314DA}"/>
-              </a:ext>
-            </a:extLst>
-          </p:cNvPr>
-          <p:cNvSpPr>
-            <a:spLocks noGrp="1"/>
-          </p:cNvSpPr>
-          <p:nvPr>
-            <p:ph type="body" sz="quarter" idx="10" hasCustomPrompt="1"/>
-          </p:nvPr>
-        </p:nvSpPr>
-        <p:spPr>
-          <a:xfrm>
-            <a:off x="190402" y="1195931"/>
-            <a:ext cx="5545598" cy="4957073"/>
-          </a:xfrm>
-        </p:spPr>
-        <p:txBody>
-          <a:bodyPr/>
-          <a:lstStyle>
-            <a:lvl1pPr latinLnBrk="0">
-              <a:defRPr/>
-            </a:lvl1pPr>
-            <a:lvl2pPr latinLnBrk="0">
-              <a:defRPr/>
-            </a:lvl2pPr>
-            <a:lvl3pPr latinLnBrk="0">
-              <a:defRPr/>
-            </a:lvl3pPr>
-            <a:lvl4pPr latinLnBrk="0">
-              <a:defRPr/>
-            </a:lvl4pPr>
-            <a:lvl5pPr latinLnBrk="0">
-              <a:defRPr/>
-            </a:lvl5pPr>
-          </a:lstStyle>
-          <a:p>
-            <a:pPr lvl="0"/>
-            <a:r>
-              <a:rPr lang="en-US" noProof="0" dirty="0"/>
-              <a:t>Edit Master text styles</a:t>
-            </a:r>
-          </a:p>
-          <a:p>
-            <a:pPr lvl="1"/>
-            <a:r>
-              <a:rPr lang="en-US" noProof="0" dirty="0"/>
-              <a:t>Second level</a:t>
-            </a:r>
-          </a:p>
-          <a:p>
-            <a:pPr lvl="2"/>
-            <a:r>
-              <a:rPr lang="en-US" noProof="0" dirty="0"/>
-              <a:t>Third level</a:t>
-            </a:r>
-          </a:p>
-          <a:p>
-            <a:pPr lvl="3"/>
-            <a:r>
-              <a:rPr lang="en-US" noProof="0" dirty="0"/>
-              <a:t>Fourth level</a:t>
-            </a:r>
-          </a:p>
-          <a:p>
-            <a:pPr lvl="4"/>
-            <a:r>
-              <a:rPr lang="en-US" noProof="0" dirty="0"/>
-              <a:t>Fifth level</a:t>
-            </a:r>
-          </a:p>
-        </p:txBody>
-      </p:sp>
-      <p:sp>
-        <p:nvSpPr>
-          <p:cNvPr id="13" name="Rectangle Top">
-            <a:extLst>
-              <a:ext uri="{FF2B5EF4-FFF2-40B4-BE49-F238E27FC236}">
-                <a16:creationId xmlns:a16="http://schemas.microsoft.com/office/drawing/2014/main" id="{E03301DA-D0AF-46FD-8740-2F761250203A}"/>
-              </a:ext>
-            </a:extLst>
-          </p:cNvPr>
-          <p:cNvSpPr/>
-          <p:nvPr userDrawn="1"/>
-        </p:nvSpPr>
-        <p:spPr>
-          <a:xfrm>
-            <a:off x="0" y="0"/>
-            <a:ext cx="12196800" cy="1095376"/>
-          </a:xfrm>
-          <a:prstGeom prst="rect">
-            <a:avLst/>
-          </a:prstGeom>
-          <a:solidFill>
-            <a:schemeClr val="tx2"/>
-          </a:solidFill>
-          <a:ln>
-            <a:noFill/>
-          </a:ln>
-        </p:spPr>
-        <p:style>
-          <a:lnRef idx="2">
-            <a:schemeClr val="accent1">
-              <a:shade val="50000"/>
-            </a:schemeClr>
-          </a:lnRef>
-          <a:fillRef idx="1">
-            <a:schemeClr val="accent1"/>
-          </a:fillRef>
-          <a:effectRef idx="0">
-            <a:schemeClr val="accent1"/>
-          </a:effectRef>
-          <a:fontRef idx="minor">
-            <a:schemeClr val="lt1"/>
-          </a:fontRef>
-        </p:style>
-        <p:txBody>
-          <a:bodyPr rtlCol="0" anchor="ctr"/>
-          <a:lstStyle/>
-          <a:p>
-            <a:pPr marL="0" marR="0" lvl="0" indent="0" algn="ctr" defTabSz="913852" rtl="0" eaLnBrk="1" fontAlgn="auto" latinLnBrk="0" hangingPunct="1">
-              <a:lnSpc>
-                <a:spcPct val="100000"/>
-              </a:lnSpc>
-              <a:spcBef>
-                <a:spcPts val="0"/>
-              </a:spcBef>
-              <a:spcAft>
-                <a:spcPts val="0"/>
-              </a:spcAft>
-              <a:buClrTx/>
-              <a:buSzTx/>
-              <a:buFontTx/>
-              <a:buNone/>
-              <a:tabLst/>
-              <a:defRPr/>
-            </a:pPr>
-            <a:endParaRPr kumimoji="0" lang="en-US" altLang="ko-KR" sz="2398" b="0" i="0" u="none" strike="noStrike" kern="1200" cap="none" spc="0" normalizeH="0" baseline="0" noProof="0">
-              <a:ln>
-                <a:noFill/>
-              </a:ln>
-              <a:solidFill>
-                <a:srgbClr val="F7C86D"/>
-              </a:solidFill>
-              <a:effectLst/>
-              <a:uLnTx/>
-              <a:uFillTx/>
-              <a:latin typeface="Calibri" panose="020F0502020204030204"/>
-              <a:ea typeface="맑은 고딕" panose="020B0503020000020004" pitchFamily="34" charset="-127"/>
-              <a:cs typeface="+mn-cs"/>
-            </a:endParaRPr>
-          </a:p>
-        </p:txBody>
-      </p:sp>
-      <p:pic>
-        <p:nvPicPr>
-          <p:cNvPr id="14" name="Logo Software University" descr="Software University logo">
-            <a:extLst>
-              <a:ext uri="{FF2B5EF4-FFF2-40B4-BE49-F238E27FC236}">
-                <a16:creationId xmlns:a16="http://schemas.microsoft.com/office/drawing/2014/main" id="{19A67BB9-D880-4EAD-B90E-89C4219BFC0B}"/>
-              </a:ext>
-            </a:extLst>
-          </p:cNvPr>
-          <p:cNvPicPr>
-            <a:picLocks noChangeAspect="1"/>
-          </p:cNvPicPr>
-          <p:nvPr userDrawn="1"/>
-        </p:nvPicPr>
-        <p:blipFill>
-          <a:blip r:embed="rId3">
-            <a:extLst>
-              <a:ext uri="{28A0092B-C50C-407E-A947-70E740481C1C}">
-                <a14:useLocalDpi xmlns:a14="http://schemas.microsoft.com/office/drawing/2010/main" val="0"/>
-              </a:ext>
-            </a:extLst>
-          </a:blip>
-          <a:stretch>
-            <a:fillRect/>
-          </a:stretch>
-        </p:blipFill>
-        <p:spPr>
-          <a:xfrm>
-            <a:off x="10067957" y="253936"/>
-            <a:ext cx="1915704" cy="559235"/>
-          </a:xfrm>
-          <a:prstGeom prst="rect">
-            <a:avLst/>
-          </a:prstGeom>
-        </p:spPr>
-      </p:pic>
-      <p:sp>
-        <p:nvSpPr>
-          <p:cNvPr id="15" name="Slide Title">
-            <a:extLst>
-              <a:ext uri="{FF2B5EF4-FFF2-40B4-BE49-F238E27FC236}">
-                <a16:creationId xmlns:a16="http://schemas.microsoft.com/office/drawing/2014/main" id="{EA9A94D1-F9F6-4D7B-85E3-896A987B6A4D}"/>
-              </a:ext>
-            </a:extLst>
-          </p:cNvPr>
-          <p:cNvSpPr>
-            <a:spLocks noGrp="1"/>
-          </p:cNvSpPr>
-          <p:nvPr>
-            <p:ph type="title" hasCustomPrompt="1"/>
-          </p:nvPr>
-        </p:nvSpPr>
-        <p:spPr>
-          <a:xfrm>
-            <a:off x="190406" y="100750"/>
-            <a:ext cx="9715594" cy="882654"/>
-          </a:xfrm>
-        </p:spPr>
-        <p:txBody>
-          <a:bodyPr/>
-          <a:lstStyle>
-            <a:lvl1pPr latinLnBrk="0">
-              <a:defRPr>
-                <a:solidFill>
-                  <a:schemeClr val="bg2"/>
-                </a:solidFill>
-              </a:defRPr>
-            </a:lvl1pPr>
-          </a:lstStyle>
-          <a:p>
-            <a:r>
-              <a:rPr lang="en-US" noProof="0" dirty="0"/>
-              <a:t>Slide Title</a:t>
-            </a:r>
-          </a:p>
-        </p:txBody>
-      </p:sp>
-    </p:spTree>
-    <p:extLst>
-      <p:ext uri="{BB962C8B-B14F-4D97-AF65-F5344CB8AC3E}">
-        <p14:creationId xmlns:p14="http://schemas.microsoft.com/office/powerpoint/2010/main" val="3044033461"/>
-      </p:ext>
-    </p:extLst>
-  </p:cSld>
-  <p:clrMapOvr>
-    <a:masterClrMapping/>
-  </p:clrMapOvr>
-  <mc:AlternateContent xmlns:mc="http://schemas.openxmlformats.org/markup-compatibility/2006" xmlns:p14="http://schemas.microsoft.com/office/powerpoint/2010/main">
-    <mc:Choice Requires="p14">
-      <p:transition spd="slow" p14:dur="2000" advClick="0" advTm="5000"/>
-    </mc:Choice>
-    <mc:Fallback xmlns="">
-      <p:transition spd="slow" advClick="0" advTm="5000"/>
-    </mc:Fallback>
-  </mc:AlternateContent>
-  <p:extLst>
-    <p:ext uri="{DCECCB84-F9BA-43D5-87BE-67443E8EF086}">
-      <p15:sldGuideLst xmlns:p15="http://schemas.microsoft.com/office/powerpoint/2012/main">
-        <p15:guide id="1" orient="horz" pos="2160">
-          <p15:clr>
-            <a:srgbClr val="FBAE40"/>
-          </p15:clr>
-        </p15:guide>
-        <p15:guide id="2" pos="3840">
-          <p15:clr>
-            <a:srgbClr val="FBAE40"/>
-          </p15:clr>
-        </p15:guide>
-      </p15:sldGuideLst>
-    </p:ext>
-  </p:extLst>
-</p:sldLayout>
-</file>
-
 <file path=ppt/slideMasters/slideMaster1.xml><?xml version="1.0" encoding="utf-8"?>
 <p:sldMaster xmlns:a="http://schemas.openxmlformats.org/drawingml/2006/main" xmlns:r="http://schemas.openxmlformats.org/officeDocument/2006/relationships" xmlns:p="http://schemas.openxmlformats.org/presentationml/2006/main" preserve="1">
   <p:cSld>
@@ -13373,7 +13577,7 @@
           <p:nvPr userDrawn="1"/>
         </p:nvPicPr>
         <p:blipFill rotWithShape="1">
-          <a:blip r:embed="rId14"/>
+          <a:blip r:embed="rId15"/>
           <a:srcRect b="1672"/>
           <a:stretch/>
         </p:blipFill>
@@ -13510,11 +13714,12 @@
     <p:sldLayoutId id="2147483680" r:id="rId5"/>
     <p:sldLayoutId id="2147483688" r:id="rId6"/>
     <p:sldLayoutId id="2147483684" r:id="rId7"/>
-    <p:sldLayoutId id="2147483677" r:id="rId8"/>
-    <p:sldLayoutId id="2147483683" r:id="rId9"/>
-    <p:sldLayoutId id="2147483685" r:id="rId10"/>
-    <p:sldLayoutId id="2147483686" r:id="rId11"/>
-    <p:sldLayoutId id="2147483687" r:id="rId12"/>
+    <p:sldLayoutId id="2147483690" r:id="rId8"/>
+    <p:sldLayoutId id="2147483677" r:id="rId9"/>
+    <p:sldLayoutId id="2147483683" r:id="rId10"/>
+    <p:sldLayoutId id="2147483685" r:id="rId11"/>
+    <p:sldLayoutId id="2147483686" r:id="rId12"/>
+    <p:sldLayoutId id="2147483687" r:id="rId13"/>
   </p:sldLayoutIdLst>
   <mc:AlternateContent xmlns:mc="http://schemas.openxmlformats.org/markup-compatibility/2006" xmlns:p14="http://schemas.microsoft.com/office/powerpoint/2010/main">
     <mc:Choice Requires="p14">

--- a/Document-Templates/SoftUni-PowerPoint-Template-Nov-2019.pptx
+++ b/Document-Templates/SoftUni-PowerPoint-Template-Nov-2019.pptx
@@ -301,7 +301,7 @@
           <a:p>
             <a:fld id="{4E087215-0C8F-4762-A664-737A353EC9A4}" type="datetimeFigureOut">
               <a:rPr lang="bg-BG" smtClean="0"/>
-              <a:t>17.4.2020 г.</a:t>
+              <a:t>21.10.2020 г.</a:t>
             </a:fld>
             <a:endParaRPr lang="bg-BG"/>
           </a:p>
@@ -492,7 +492,7 @@
           <a:p>
             <a:fld id="{72D84649-876A-46C9-8472-14CB09C070D8}" type="datetimeFigureOut">
               <a:rPr lang="en-US" smtClean="0"/>
-              <a:t>17-Apr-20</a:t>
+              <a:t>21-Oct-20</a:t>
             </a:fld>
             <a:endParaRPr lang="en-US"/>
           </a:p>
@@ -12657,140 +12657,6 @@
       </p:sp>
       <p:sp>
         <p:nvSpPr>
-          <p:cNvPr id="6" name="Code Box">
-            <a:extLst>
-              <a:ext uri="{FF2B5EF4-FFF2-40B4-BE49-F238E27FC236}">
-                <a16:creationId xmlns:a16="http://schemas.microsoft.com/office/drawing/2014/main" id="{3278A82F-5546-4977-9F75-2A933B415945}"/>
-              </a:ext>
-            </a:extLst>
-          </p:cNvPr>
-          <p:cNvSpPr>
-            <a:spLocks noGrp="1"/>
-          </p:cNvSpPr>
-          <p:nvPr>
-            <p:ph type="body" sz="quarter" idx="11" hasCustomPrompt="1"/>
-          </p:nvPr>
-        </p:nvSpPr>
-        <p:spPr>
-          <a:xfrm>
-            <a:off x="621234" y="1931154"/>
-            <a:ext cx="10949531" cy="1362846"/>
-          </a:xfrm>
-          <a:prstGeom prst="rect">
-            <a:avLst/>
-          </a:prstGeom>
-          <a:solidFill>
-            <a:schemeClr val="accent6">
-              <a:lumMod val="75000"/>
-              <a:alpha val="15000"/>
-            </a:schemeClr>
-          </a:solidFill>
-          <a:ln w="12700">
-            <a:solidFill>
-              <a:schemeClr val="tx1">
-                <a:lumMod val="50000"/>
-              </a:schemeClr>
-            </a:solidFill>
-          </a:ln>
-        </p:spPr>
-        <p:txBody>
-          <a:bodyPr wrap="square" lIns="144000" tIns="108000" rIns="144000" bIns="108000">
-            <a:spAutoFit/>
-          </a:bodyPr>
-          <a:lstStyle>
-            <a:lvl1pPr marL="0" indent="0" latinLnBrk="0">
-              <a:lnSpc>
-                <a:spcPct val="105000"/>
-              </a:lnSpc>
-              <a:spcBef>
-                <a:spcPts val="0"/>
-              </a:spcBef>
-              <a:spcAft>
-                <a:spcPts val="0"/>
-              </a:spcAft>
-              <a:buNone/>
-              <a:defRPr lang="en-US" sz="2398" b="1" noProof="1" smtClean="0">
-                <a:solidFill>
-                  <a:schemeClr val="tx1"/>
-                </a:solidFill>
-                <a:effectLst/>
-                <a:latin typeface="Consolas" pitchFamily="49" charset="0"/>
-                <a:cs typeface="Consolas" pitchFamily="49" charset="0"/>
-              </a:defRPr>
-            </a:lvl1pPr>
-          </a:lstStyle>
-          <a:p>
-            <a:pPr marL="0" lvl="0"/>
-            <a:r>
-              <a:rPr lang="en-US" noProof="1"/>
-              <a:t>Source code box</a:t>
-            </a:r>
-          </a:p>
-          <a:p>
-            <a:pPr marL="0" lvl="0"/>
-            <a:r>
-              <a:rPr lang="en-US" noProof="1"/>
-              <a:t>…</a:t>
-            </a:r>
-          </a:p>
-          <a:p>
-            <a:pPr marL="0" lvl="0"/>
-            <a:r>
-              <a:rPr lang="en-US" noProof="1"/>
-              <a:t>…</a:t>
-            </a:r>
-          </a:p>
-        </p:txBody>
-      </p:sp>
-      <p:sp>
-        <p:nvSpPr>
-          <p:cNvPr id="21" name="Slide Body Text">
-            <a:extLst>
-              <a:ext uri="{FF2B5EF4-FFF2-40B4-BE49-F238E27FC236}">
-                <a16:creationId xmlns:a16="http://schemas.microsoft.com/office/drawing/2014/main" id="{04F318BE-2BAD-4677-871C-D78A4BF0CBA6}"/>
-              </a:ext>
-            </a:extLst>
-          </p:cNvPr>
-          <p:cNvSpPr>
-            <a:spLocks noGrp="1"/>
-          </p:cNvSpPr>
-          <p:nvPr>
-            <p:ph type="body" sz="quarter" idx="10" hasCustomPrompt="1"/>
-          </p:nvPr>
-        </p:nvSpPr>
-        <p:spPr>
-          <a:xfrm>
-            <a:off x="190501" y="1196126"/>
-            <a:ext cx="11811097" cy="5561124"/>
-          </a:xfrm>
-        </p:spPr>
-        <p:txBody>
-          <a:bodyPr/>
-          <a:lstStyle>
-            <a:lvl1pPr marL="0" indent="0" latinLnBrk="0">
-              <a:buNone/>
-              <a:defRPr>
-                <a:solidFill>
-                  <a:schemeClr val="tx1"/>
-                </a:solidFill>
-              </a:defRPr>
-            </a:lvl1pPr>
-            <a:lvl2pPr marL="609219" indent="0">
-              <a:buNone/>
-              <a:defRPr/>
-            </a:lvl2pPr>
-          </a:lstStyle>
-          <a:p>
-            <a:pPr lvl="0"/>
-            <a:r>
-              <a:rPr lang="en-US" noProof="0"/>
-              <a:t>Sample source code:</a:t>
-            </a:r>
-          </a:p>
-        </p:txBody>
-      </p:sp>
-      <p:sp>
-        <p:nvSpPr>
           <p:cNvPr id="9" name="Rectangle Top">
             <a:extLst>
               <a:ext uri="{FF2B5EF4-FFF2-40B4-BE49-F238E27FC236}">
@@ -12906,6 +12772,182 @@
           </a:prstGeom>
         </p:spPr>
       </p:pic>
+      <p:sp>
+        <p:nvSpPr>
+          <p:cNvPr id="17" name="Slide Body Text">
+            <a:extLst>
+              <a:ext uri="{FF2B5EF4-FFF2-40B4-BE49-F238E27FC236}">
+                <a16:creationId xmlns:a16="http://schemas.microsoft.com/office/drawing/2014/main" id="{1E60575F-8475-4C78-97A7-27D7891D2770}"/>
+              </a:ext>
+            </a:extLst>
+          </p:cNvPr>
+          <p:cNvSpPr>
+            <a:spLocks noGrp="1"/>
+          </p:cNvSpPr>
+          <p:nvPr>
+            <p:ph type="body" sz="quarter" idx="12" hasCustomPrompt="1"/>
+          </p:nvPr>
+        </p:nvSpPr>
+        <p:spPr>
+          <a:xfrm>
+            <a:off x="190402" y="1196125"/>
+            <a:ext cx="11818096" cy="5528766"/>
+          </a:xfrm>
+        </p:spPr>
+        <p:txBody>
+          <a:bodyPr/>
+          <a:lstStyle>
+            <a:lvl1pPr latinLnBrk="0">
+              <a:defRPr/>
+            </a:lvl1pPr>
+            <a:lvl2pPr latinLnBrk="0">
+              <a:defRPr/>
+            </a:lvl2pPr>
+            <a:lvl3pPr latinLnBrk="0">
+              <a:defRPr/>
+            </a:lvl3pPr>
+            <a:lvl4pPr latinLnBrk="0">
+              <a:defRPr/>
+            </a:lvl4pPr>
+            <a:lvl5pPr latinLnBrk="0">
+              <a:defRPr/>
+            </a:lvl5pPr>
+          </a:lstStyle>
+          <a:p>
+            <a:pPr lvl="0"/>
+            <a:r>
+              <a:rPr lang="en-US" noProof="0" dirty="0"/>
+              <a:t>This is a code example</a:t>
+            </a:r>
+          </a:p>
+        </p:txBody>
+      </p:sp>
+      <p:sp>
+        <p:nvSpPr>
+          <p:cNvPr id="15" name="Code Box">
+            <a:extLst>
+              <a:ext uri="{FF2B5EF4-FFF2-40B4-BE49-F238E27FC236}">
+                <a16:creationId xmlns:a16="http://schemas.microsoft.com/office/drawing/2014/main" id="{29C63EC2-5578-406B-8C2A-23FDE6C14C82}"/>
+              </a:ext>
+            </a:extLst>
+          </p:cNvPr>
+          <p:cNvSpPr>
+            <a:spLocks noGrp="1"/>
+          </p:cNvSpPr>
+          <p:nvPr>
+            <p:ph type="body" sz="quarter" idx="11" hasCustomPrompt="1"/>
+          </p:nvPr>
+        </p:nvSpPr>
+        <p:spPr>
+          <a:xfrm>
+            <a:off x="674683" y="2034000"/>
+            <a:ext cx="10836275" cy="2318684"/>
+          </a:xfrm>
+          <a:solidFill>
+            <a:schemeClr val="accent6">
+              <a:lumMod val="75000"/>
+              <a:alpha val="15000"/>
+            </a:schemeClr>
+          </a:solidFill>
+          <a:ln w="12700">
+            <a:solidFill>
+              <a:schemeClr val="tx1">
+                <a:lumMod val="50000"/>
+              </a:schemeClr>
+            </a:solidFill>
+          </a:ln>
+        </p:spPr>
+        <p:txBody>
+          <a:bodyPr vert="horz" wrap="square" lIns="144000" tIns="108000" rIns="144000" bIns="108000" rtlCol="0">
+            <a:spAutoFit/>
+          </a:bodyPr>
+          <a:lstStyle>
+            <a:lvl1pPr>
+              <a:lnSpc>
+                <a:spcPct val="110000"/>
+              </a:lnSpc>
+              <a:spcBef>
+                <a:spcPts val="0"/>
+              </a:spcBef>
+              <a:spcAft>
+                <a:spcPts val="0"/>
+              </a:spcAft>
+              <a:buNone/>
+              <a:defRPr lang="en-US" sz="2800" b="1" smtClean="0">
+                <a:latin typeface="Consolas" pitchFamily="49" charset="0"/>
+              </a:defRPr>
+            </a:lvl1pPr>
+            <a:lvl2pPr>
+              <a:defRPr lang="en-US" smtClean="0"/>
+            </a:lvl2pPr>
+            <a:lvl3pPr>
+              <a:defRPr lang="en-US" smtClean="0"/>
+            </a:lvl3pPr>
+            <a:lvl4pPr>
+              <a:defRPr lang="en-US" smtClean="0"/>
+            </a:lvl4pPr>
+            <a:lvl5pPr>
+              <a:defRPr lang="en-US"/>
+            </a:lvl5pPr>
+          </a:lstStyle>
+          <a:p>
+            <a:pPr>
+              <a:spcBef>
+                <a:spcPts val="300"/>
+              </a:spcBef>
+              <a:spcAft>
+                <a:spcPts val="300"/>
+              </a:spcAft>
+            </a:pPr>
+            <a:r>
+              <a:rPr lang="en-US" noProof="1"/>
+              <a:t>Source code box</a:t>
+            </a:r>
+          </a:p>
+          <a:p>
+            <a:pPr>
+              <a:spcBef>
+                <a:spcPts val="300"/>
+              </a:spcBef>
+              <a:spcAft>
+                <a:spcPts val="300"/>
+              </a:spcAft>
+            </a:pPr>
+            <a:r>
+              <a:rPr lang="en-US" noProof="1"/>
+              <a:t>…</a:t>
+            </a:r>
+          </a:p>
+          <a:p>
+            <a:pPr>
+              <a:spcBef>
+                <a:spcPts val="300"/>
+              </a:spcBef>
+              <a:spcAft>
+                <a:spcPts val="300"/>
+              </a:spcAft>
+            </a:pPr>
+            <a:r>
+              <a:rPr lang="en-US" noProof="1"/>
+              <a:t>…</a:t>
+            </a:r>
+          </a:p>
+          <a:p>
+            <a:pPr>
+              <a:spcBef>
+                <a:spcPts val="300"/>
+              </a:spcBef>
+              <a:spcAft>
+                <a:spcPts val="300"/>
+              </a:spcAft>
+            </a:pPr>
+            <a:r>
+              <a:rPr lang="en-US" noProof="1"/>
+              <a:t>…</a:t>
+            </a:r>
+          </a:p>
+        </p:txBody>
+      </p:sp>
       <p:sp>
         <p:nvSpPr>
           <p:cNvPr id="11" name="Slide Title">
@@ -22405,7 +22447,7 @@
             <a:spLocks noGrp="1"/>
           </p:cNvSpPr>
           <p:nvPr>
-            <p:ph type="body" sz="quarter" idx="10"/>
+            <p:ph type="body" sz="quarter" idx="4294967295"/>
           </p:nvPr>
         </p:nvSpPr>
         <p:spPr>
@@ -22669,7 +22711,7 @@
             <a:spLocks noGrp="1"/>
           </p:cNvSpPr>
           <p:nvPr>
-            <p:ph type="body" sz="quarter" idx="11"/>
+            <p:ph type="body" sz="quarter" idx="4294967295"/>
           </p:nvPr>
         </p:nvSpPr>
         <p:spPr>
@@ -22679,7 +22721,9 @@
           </a:xfrm>
         </p:spPr>
         <p:txBody>
-          <a:bodyPr/>
+          <a:bodyPr>
+            <a:normAutofit fontScale="85000" lnSpcReduction="20000"/>
+          </a:bodyPr>
           <a:lstStyle/>
           <a:p>
             <a:r>
@@ -23443,7 +23487,7 @@
             <a:spLocks noGrp="1"/>
           </p:cNvSpPr>
           <p:nvPr>
-            <p:ph type="body" sz="quarter" idx="11"/>
+            <p:ph type="body" sz="quarter" idx="4294967295"/>
           </p:nvPr>
         </p:nvSpPr>
         <p:spPr>
@@ -32121,10 +32165,10 @@
       </p:sp>
       <p:sp>
         <p:nvSpPr>
-          <p:cNvPr id="6" name="Slide Body Text">
+          <p:cNvPr id="17" name="Text Placeholder 16">
             <a:extLst>
               <a:ext uri="{FF2B5EF4-FFF2-40B4-BE49-F238E27FC236}">
-                <a16:creationId xmlns:a16="http://schemas.microsoft.com/office/drawing/2014/main" id="{38B86428-EE97-4D8D-9368-EA7174A17221}"/>
+                <a16:creationId xmlns:a16="http://schemas.microsoft.com/office/drawing/2014/main" id="{D54E0A2B-08DB-403B-A994-E1735321B5DD}"/>
               </a:ext>
             </a:extLst>
           </p:cNvPr>
@@ -32132,7 +32176,7 @@
             <a:spLocks noGrp="1"/>
           </p:cNvSpPr>
           <p:nvPr>
-            <p:ph type="body" sz="quarter" idx="10"/>
+            <p:ph type="body" sz="quarter" idx="12"/>
           </p:nvPr>
         </p:nvSpPr>
         <p:spPr/>
@@ -32142,18 +32186,17 @@
           <a:p>
             <a:r>
               <a:rPr lang="en-US" dirty="0"/>
-              <a:t>Some JS class example:</a:t>
-            </a:r>
-            <a:endParaRPr lang="bg-BG" dirty="0"/>
+              <a:t>Some JS code example:</a:t>
+            </a:r>
           </a:p>
         </p:txBody>
       </p:sp>
       <p:sp>
         <p:nvSpPr>
-          <p:cNvPr id="7" name="Code Box">
+          <p:cNvPr id="6" name="Slide Body Text">
             <a:extLst>
               <a:ext uri="{FF2B5EF4-FFF2-40B4-BE49-F238E27FC236}">
-                <a16:creationId xmlns:a16="http://schemas.microsoft.com/office/drawing/2014/main" id="{608FC60A-0A26-44DD-82A6-EF4EB0DE6F3F}"/>
+                <a16:creationId xmlns:a16="http://schemas.microsoft.com/office/drawing/2014/main" id="{38B86428-EE97-4D8D-9368-EA7174A17221}"/>
               </a:ext>
             </a:extLst>
           </p:cNvPr>
@@ -32166,135 +32209,96 @@
         </p:nvSpPr>
         <p:spPr>
           <a:xfrm>
-            <a:off x="677678" y="2036307"/>
-            <a:ext cx="10836642" cy="4317693"/>
+            <a:off x="674683" y="2034000"/>
+            <a:ext cx="10836275" cy="3983756"/>
           </a:xfrm>
         </p:spPr>
         <p:txBody>
           <a:bodyPr/>
           <a:lstStyle/>
           <a:p>
-            <a:pPr>
-              <a:lnSpc>
-                <a:spcPct val="120000"/>
-              </a:lnSpc>
-              <a:spcBef>
-                <a:spcPts val="0"/>
-              </a:spcBef>
-            </a:pPr>
-            <a:r>
-              <a:rPr lang="en-US" sz="2800" dirty="0"/>
+            <a:r>
+              <a:rPr lang="en-US" dirty="0"/>
               <a:t>class Abstract {</a:t>
             </a:r>
           </a:p>
           <a:p>
-            <a:pPr>
-              <a:lnSpc>
-                <a:spcPct val="120000"/>
-              </a:lnSpc>
-              <a:spcBef>
-                <a:spcPts val="0"/>
-              </a:spcBef>
-            </a:pPr>
-            <a:r>
-              <a:rPr lang="en-US" sz="2800" dirty="0"/>
+            <a:r>
+              <a:rPr lang="en-US" dirty="0"/>
               <a:t>  constructor() {</a:t>
             </a:r>
           </a:p>
           <a:p>
-            <a:pPr>
-              <a:lnSpc>
-                <a:spcPct val="120000"/>
-              </a:lnSpc>
-              <a:spcBef>
-                <a:spcPts val="0"/>
-              </a:spcBef>
-            </a:pPr>
-            <a:r>
-              <a:rPr lang="en-US" sz="2800" dirty="0"/>
+            <a:r>
+              <a:rPr lang="en-US" dirty="0"/>
               <a:t>    if (</a:t>
             </a:r>
             <a:r>
-              <a:rPr lang="en-US" sz="2800" dirty="0">
+              <a:rPr lang="en-US" dirty="0" err="1">
                 <a:solidFill>
                   <a:schemeClr val="bg1"/>
                 </a:solidFill>
               </a:rPr>
-              <a:t>new.target </a:t>
-            </a:r>
-            <a:r>
-              <a:rPr lang="en-US" sz="2800" dirty="0"/>
+              <a:t>new.target</a:t>
+            </a:r>
+            <a:r>
+              <a:rPr lang="en-US" dirty="0">
+                <a:solidFill>
+                  <a:schemeClr val="bg1"/>
+                </a:solidFill>
+              </a:rPr>
+              <a:t> </a:t>
+            </a:r>
+            <a:r>
+              <a:rPr lang="en-US" dirty="0"/>
               <a:t>=== Abstract) {</a:t>
             </a:r>
           </a:p>
           <a:p>
-            <a:pPr>
-              <a:lnSpc>
-                <a:spcPct val="120000"/>
-              </a:lnSpc>
-              <a:spcBef>
-                <a:spcPts val="0"/>
-              </a:spcBef>
-            </a:pPr>
-            <a:r>
-              <a:rPr lang="en-US" sz="2800" dirty="0"/>
+            <a:pPr marL="1617663" indent="-1617663"/>
+            <a:r>
+              <a:rPr lang="en-US" dirty="0"/>
               <a:t>      </a:t>
             </a:r>
             <a:r>
-              <a:rPr lang="en-US" sz="2800" dirty="0">
+              <a:rPr lang="en-US" dirty="0">
                 <a:solidFill>
                   <a:schemeClr val="bg1"/>
                 </a:solidFill>
               </a:rPr>
-              <a:t>throw new TypeError</a:t>
-            </a:r>
-            <a:r>
-              <a:rPr lang="en-US" sz="2800" dirty="0"/>
-              <a:t>("Cannot construct Abstract</a:t>
-            </a:r>
-            <a:br>
-              <a:rPr lang="en-US" sz="2800" dirty="0"/>
-            </a:br>
-            <a:r>
-              <a:rPr lang="en-US" sz="2800" dirty="0"/>
-              <a:t>        instances directly");</a:t>
-            </a:r>
-            <a:br>
-              <a:rPr lang="en-US" sz="2800" dirty="0"/>
-            </a:br>
-            <a:r>
-              <a:rPr lang="en-US" sz="2800" dirty="0"/>
+              <a:t>throw new </a:t>
+            </a:r>
+            <a:r>
+              <a:rPr lang="en-US" dirty="0" err="1">
+                <a:solidFill>
+                  <a:schemeClr val="bg1"/>
+                </a:solidFill>
+              </a:rPr>
+              <a:t>TypeError</a:t>
+            </a:r>
+            <a:r>
+              <a:rPr lang="en-US" dirty="0"/>
+              <a:t>("Cannot construct Abstract instances directly");</a:t>
+            </a:r>
+          </a:p>
+          <a:p>
+            <a:r>
+              <a:rPr lang="en-US" dirty="0"/>
               <a:t>    }</a:t>
             </a:r>
           </a:p>
           <a:p>
-            <a:pPr>
-              <a:lnSpc>
-                <a:spcPct val="120000"/>
-              </a:lnSpc>
-              <a:spcBef>
-                <a:spcPts val="0"/>
-              </a:spcBef>
-            </a:pPr>
-            <a:r>
-              <a:rPr lang="en-US" sz="2800" dirty="0"/>
+            <a:r>
+              <a:rPr lang="en-US" dirty="0"/>
               <a:t>  }</a:t>
             </a:r>
           </a:p>
           <a:p>
-            <a:pPr>
-              <a:lnSpc>
-                <a:spcPct val="120000"/>
-              </a:lnSpc>
-              <a:spcBef>
-                <a:spcPts val="0"/>
-              </a:spcBef>
-            </a:pPr>
-            <a:r>
-              <a:rPr lang="en-US" sz="2800" dirty="0"/>
+            <a:r>
+              <a:rPr lang="en-US" dirty="0"/>
               <a:t>}</a:t>
             </a:r>
-            <a:endParaRPr lang="bg-BG" sz="2800" dirty="0"/>
+            <a:endParaRPr lang="bg-BG" dirty="0"/>
           </a:p>
         </p:txBody>
       </p:sp>
@@ -32314,12 +32318,7 @@
             <p:ph type="title"/>
           </p:nvPr>
         </p:nvSpPr>
-        <p:spPr>
-          <a:xfrm>
-            <a:off x="190405" y="100750"/>
-            <a:ext cx="9669213" cy="882654"/>
-          </a:xfrm>
-        </p:spPr>
+        <p:spPr/>
         <p:txBody>
           <a:bodyPr/>
           <a:lstStyle/>
@@ -32350,196 +32349,6 @@
       <p:transition spd="slow" advClick="0" advTm="5000"/>
     </mc:Fallback>
   </mc:AlternateContent>
-  <p:timing>
-    <p:tnLst>
-      <p:par>
-        <p:cTn id="1" dur="indefinite" restart="never" nodeType="tmRoot">
-          <p:childTnLst>
-            <p:seq concurrent="1" nextAc="seek">
-              <p:cTn id="2" dur="indefinite" nodeType="mainSeq">
-                <p:childTnLst>
-                  <p:par>
-                    <p:cTn id="3" fill="hold">
-                      <p:stCondLst>
-                        <p:cond delay="indefinite"/>
-                      </p:stCondLst>
-                      <p:childTnLst>
-                        <p:par>
-                          <p:cTn id="4" fill="hold">
-                            <p:stCondLst>
-                              <p:cond delay="0"/>
-                            </p:stCondLst>
-                            <p:childTnLst>
-                              <p:par>
-                                <p:cTn id="5" presetID="1" presetClass="entr" presetSubtype="0" fill="hold" nodeType="clickEffect">
-                                  <p:stCondLst>
-                                    <p:cond delay="0"/>
-                                  </p:stCondLst>
-                                  <p:childTnLst>
-                                    <p:set>
-                                      <p:cBhvr>
-                                        <p:cTn id="6" dur="1" fill="hold">
-                                          <p:stCondLst>
-                                            <p:cond delay="0"/>
-                                          </p:stCondLst>
-                                        </p:cTn>
-                                        <p:tgtEl>
-                                          <p:spTgt spid="7">
-                                            <p:txEl>
-                                              <p:pRg st="1" end="1"/>
-                                            </p:txEl>
-                                          </p:spTgt>
-                                        </p:tgtEl>
-                                        <p:attrNameLst>
-                                          <p:attrName>style.visibility</p:attrName>
-                                        </p:attrNameLst>
-                                      </p:cBhvr>
-                                      <p:to>
-                                        <p:strVal val="visible"/>
-                                      </p:to>
-                                    </p:set>
-                                  </p:childTnLst>
-                                </p:cTn>
-                              </p:par>
-                              <p:par>
-                                <p:cTn id="7" presetID="1" presetClass="entr" presetSubtype="0" fill="hold" nodeType="withEffect">
-                                  <p:stCondLst>
-                                    <p:cond delay="0"/>
-                                  </p:stCondLst>
-                                  <p:childTnLst>
-                                    <p:set>
-                                      <p:cBhvr>
-                                        <p:cTn id="8" dur="1" fill="hold">
-                                          <p:stCondLst>
-                                            <p:cond delay="0"/>
-                                          </p:stCondLst>
-                                        </p:cTn>
-                                        <p:tgtEl>
-                                          <p:spTgt spid="7">
-                                            <p:txEl>
-                                              <p:pRg st="4" end="4"/>
-                                            </p:txEl>
-                                          </p:spTgt>
-                                        </p:tgtEl>
-                                        <p:attrNameLst>
-                                          <p:attrName>style.visibility</p:attrName>
-                                        </p:attrNameLst>
-                                      </p:cBhvr>
-                                      <p:to>
-                                        <p:strVal val="visible"/>
-                                      </p:to>
-                                    </p:set>
-                                  </p:childTnLst>
-                                </p:cTn>
-                              </p:par>
-                            </p:childTnLst>
-                          </p:cTn>
-                        </p:par>
-                      </p:childTnLst>
-                    </p:cTn>
-                  </p:par>
-                  <p:par>
-                    <p:cTn id="9" fill="hold">
-                      <p:stCondLst>
-                        <p:cond delay="indefinite"/>
-                      </p:stCondLst>
-                      <p:childTnLst>
-                        <p:par>
-                          <p:cTn id="10" fill="hold">
-                            <p:stCondLst>
-                              <p:cond delay="0"/>
-                            </p:stCondLst>
-                            <p:childTnLst>
-                              <p:par>
-                                <p:cTn id="11" presetID="1" presetClass="entr" presetSubtype="0" fill="hold" nodeType="clickEffect">
-                                  <p:stCondLst>
-                                    <p:cond delay="0"/>
-                                  </p:stCondLst>
-                                  <p:childTnLst>
-                                    <p:set>
-                                      <p:cBhvr>
-                                        <p:cTn id="12" dur="1" fill="hold">
-                                          <p:stCondLst>
-                                            <p:cond delay="0"/>
-                                          </p:stCondLst>
-                                        </p:cTn>
-                                        <p:tgtEl>
-                                          <p:spTgt spid="7">
-                                            <p:txEl>
-                                              <p:pRg st="2" end="2"/>
-                                            </p:txEl>
-                                          </p:spTgt>
-                                        </p:tgtEl>
-                                        <p:attrNameLst>
-                                          <p:attrName>style.visibility</p:attrName>
-                                        </p:attrNameLst>
-                                      </p:cBhvr>
-                                      <p:to>
-                                        <p:strVal val="visible"/>
-                                      </p:to>
-                                    </p:set>
-                                  </p:childTnLst>
-                                </p:cTn>
-                              </p:par>
-                              <p:par>
-                                <p:cTn id="13" presetID="1" presetClass="entr" presetSubtype="0" fill="hold" nodeType="withEffect">
-                                  <p:stCondLst>
-                                    <p:cond delay="0"/>
-                                  </p:stCondLst>
-                                  <p:childTnLst>
-                                    <p:set>
-                                      <p:cBhvr>
-                                        <p:cTn id="14" dur="1" fill="hold">
-                                          <p:stCondLst>
-                                            <p:cond delay="0"/>
-                                          </p:stCondLst>
-                                        </p:cTn>
-                                        <p:tgtEl>
-                                          <p:spTgt spid="7">
-                                            <p:txEl>
-                                              <p:pRg st="3" end="3"/>
-                                            </p:txEl>
-                                          </p:spTgt>
-                                        </p:tgtEl>
-                                        <p:attrNameLst>
-                                          <p:attrName>style.visibility</p:attrName>
-                                        </p:attrNameLst>
-                                      </p:cBhvr>
-                                      <p:to>
-                                        <p:strVal val="visible"/>
-                                      </p:to>
-                                    </p:set>
-                                  </p:childTnLst>
-                                </p:cTn>
-                              </p:par>
-                            </p:childTnLst>
-                          </p:cTn>
-                        </p:par>
-                      </p:childTnLst>
-                    </p:cTn>
-                  </p:par>
-                </p:childTnLst>
-              </p:cTn>
-              <p:prevCondLst>
-                <p:cond evt="onPrev" delay="0">
-                  <p:tgtEl>
-                    <p:sldTgt/>
-                  </p:tgtEl>
-                </p:cond>
-              </p:prevCondLst>
-              <p:nextCondLst>
-                <p:cond evt="onNext" delay="0">
-                  <p:tgtEl>
-                    <p:sldTgt/>
-                  </p:tgtEl>
-                </p:cond>
-              </p:nextCondLst>
-            </p:seq>
-          </p:childTnLst>
-        </p:cTn>
-      </p:par>
-    </p:tnLst>
-  </p:timing>
 </p:sld>
 </file>
 
